--- a/app/static/template/west_coast_template.pptx
+++ b/app/static/template/west_coast_template.pptx
@@ -709,7 +709,7 @@
           <a:p>
             <a:fld id="{8D64E6AF-08E6-184A-9DD2-3C1D5F53FCC4}" type="datetimeFigureOut">
               <a:rPr kumimoji="1" lang="ko-US" altLang="en-US" smtClean="0"/>
-              <a:t>7/7/23</a:t>
+              <a:t>7/27/23</a:t>
             </a:fld>
             <a:endParaRPr kumimoji="1" lang="ko-US" altLang="en-US"/>
           </a:p>
@@ -1468,7 +1468,9 @@
           </a:prstGeom>
         </p:spPr>
         <p:txBody>
-          <a:bodyPr/>
+          <a:bodyPr>
+            <a:normAutofit/>
+          </a:bodyPr>
           <a:lstStyle>
             <a:lvl1pPr marL="0" indent="0">
               <a:buNone/>
@@ -1520,7 +1522,9 @@
           </a:prstGeom>
         </p:spPr>
         <p:txBody>
-          <a:bodyPr/>
+          <a:bodyPr>
+            <a:normAutofit/>
+          </a:bodyPr>
           <a:lstStyle>
             <a:lvl1pPr marL="0" indent="0">
               <a:buNone/>
@@ -1573,7 +1577,9 @@
           </a:prstGeom>
         </p:spPr>
         <p:txBody>
-          <a:bodyPr/>
+          <a:bodyPr>
+            <a:normAutofit/>
+          </a:bodyPr>
           <a:lstStyle>
             <a:lvl1pPr marL="0" indent="0">
               <a:buNone/>
@@ -1625,7 +1631,9 @@
           </a:prstGeom>
         </p:spPr>
         <p:txBody>
-          <a:bodyPr/>
+          <a:bodyPr>
+            <a:normAutofit/>
+          </a:bodyPr>
           <a:lstStyle>
             <a:lvl1pPr marL="0" indent="0">
               <a:buNone/>
@@ -3518,6 +3526,22 @@
   <p:clrMapOvr>
     <a:masterClrMapping/>
   </p:clrMapOvr>
+  <p:extLst>
+    <p:ext uri="{DCECCB84-F9BA-43D5-87BE-67443E8EF086}">
+      <p15:sldGuideLst xmlns:p15="http://schemas.microsoft.com/office/powerpoint/2012/main">
+        <p15:guide id="1" orient="horz" pos="2160" userDrawn="1">
+          <p15:clr>
+            <a:srgbClr val="FBAE40"/>
+          </p15:clr>
+        </p15:guide>
+        <p15:guide id="2" pos="3840" userDrawn="1">
+          <p15:clr>
+            <a:srgbClr val="FBAE40"/>
+          </p15:clr>
+        </p15:guide>
+      </p15:sldGuideLst>
+    </p:ext>
+  </p:extLst>
 </p:sldLayout>
 </file>
 
@@ -3633,7 +3657,9 @@
           <a:effectLst/>
         </p:spPr>
         <p:txBody>
-          <a:bodyPr/>
+          <a:bodyPr>
+            <a:normAutofit/>
+          </a:bodyPr>
           <a:lstStyle>
             <a:lvl1pPr marL="0" indent="0">
               <a:buNone/>
@@ -3687,7 +3713,9 @@
           <a:effectLst/>
         </p:spPr>
         <p:txBody>
-          <a:bodyPr/>
+          <a:bodyPr>
+            <a:normAutofit/>
+          </a:bodyPr>
           <a:lstStyle>
             <a:lvl1pPr marL="0" indent="0">
               <a:buNone/>
@@ -3744,7 +3772,9 @@
           <a:effectLst/>
         </p:spPr>
         <p:txBody>
-          <a:bodyPr/>
+          <a:bodyPr>
+            <a:normAutofit/>
+          </a:bodyPr>
           <a:lstStyle>
             <a:lvl1pPr marL="0" indent="0">
               <a:buNone/>
@@ -3798,7 +3828,9 @@
           <a:effectLst/>
         </p:spPr>
         <p:txBody>
-          <a:bodyPr/>
+          <a:bodyPr>
+            <a:normAutofit/>
+          </a:bodyPr>
           <a:lstStyle>
             <a:lvl1pPr marL="0" indent="0">
               <a:buNone/>
@@ -3909,7 +3941,9 @@
           <a:effectLst/>
         </p:spPr>
         <p:txBody>
-          <a:bodyPr/>
+          <a:bodyPr>
+            <a:normAutofit/>
+          </a:bodyPr>
           <a:lstStyle>
             <a:lvl1pPr marL="0" indent="0">
               <a:buNone/>
@@ -3963,7 +3997,9 @@
           <a:effectLst/>
         </p:spPr>
         <p:txBody>
-          <a:bodyPr/>
+          <a:bodyPr>
+            <a:normAutofit/>
+          </a:bodyPr>
           <a:lstStyle>
             <a:lvl1pPr marL="0" indent="0">
               <a:buNone/>
@@ -4020,7 +4056,9 @@
           <a:effectLst/>
         </p:spPr>
         <p:txBody>
-          <a:bodyPr/>
+          <a:bodyPr>
+            <a:normAutofit/>
+          </a:bodyPr>
           <a:lstStyle>
             <a:lvl1pPr marL="0" indent="0">
               <a:buNone/>
@@ -4074,7 +4112,9 @@
           <a:effectLst/>
         </p:spPr>
         <p:txBody>
-          <a:bodyPr/>
+          <a:bodyPr>
+            <a:normAutofit/>
+          </a:bodyPr>
           <a:lstStyle>
             <a:lvl1pPr marL="0" indent="0">
               <a:buNone/>
@@ -4594,7 +4634,9 @@
         </p:nvSpPr>
         <p:spPr/>
         <p:txBody>
-          <a:bodyPr/>
+          <a:bodyPr>
+            <a:normAutofit lnSpcReduction="10000"/>
+          </a:bodyPr>
           <a:lstStyle/>
           <a:p>
             <a:endParaRPr kumimoji="1" lang="ko-Kore-US" altLang="en-US"/>
@@ -4619,7 +4661,9 @@
         </p:nvSpPr>
         <p:spPr/>
         <p:txBody>
-          <a:bodyPr/>
+          <a:bodyPr>
+            <a:normAutofit lnSpcReduction="10000"/>
+          </a:bodyPr>
           <a:lstStyle/>
           <a:p>
             <a:endParaRPr kumimoji="1" lang="ko-Kore-US" altLang="en-US"/>
@@ -4644,7 +4688,9 @@
         </p:nvSpPr>
         <p:spPr/>
         <p:txBody>
-          <a:bodyPr/>
+          <a:bodyPr>
+            <a:normAutofit lnSpcReduction="10000"/>
+          </a:bodyPr>
           <a:lstStyle/>
           <a:p>
             <a:endParaRPr kumimoji="1" lang="ko-Kore-US" altLang="en-US"/>
@@ -4669,7 +4715,9 @@
         </p:nvSpPr>
         <p:spPr/>
         <p:txBody>
-          <a:bodyPr/>
+          <a:bodyPr>
+            <a:normAutofit lnSpcReduction="10000"/>
+          </a:bodyPr>
           <a:lstStyle/>
           <a:p>
             <a:endParaRPr kumimoji="1" lang="ko-Kore-US" altLang="en-US"/>

--- a/app/static/template/west_coast_template.pptx
+++ b/app/static/template/west_coast_template.pptx
@@ -979,7 +979,7 @@
 
 <file path=ppt/slideLayouts/slideLayout1.xml><?xml version="1.0" encoding="utf-8"?>
 <p:sldLayout xmlns:a="http://schemas.openxmlformats.org/drawingml/2006/main" xmlns:r="http://schemas.openxmlformats.org/officeDocument/2006/relationships" xmlns:p="http://schemas.openxmlformats.org/presentationml/2006/main" showMasterSp="0" preserve="1">
-  <p:cSld name="1_TITLE-EXTENDED">
+  <p:cSld name="1_TITLE">
     <p:bg>
       <p:bgPr>
         <a:blipFill dpi="0" rotWithShape="1">
@@ -1258,7 +1258,7 @@
           </a:prstGeom>
         </p:spPr>
         <p:txBody>
-          <a:bodyPr/>
+          <a:bodyPr anchor="ctr"/>
           <a:lstStyle>
             <a:lvl1pPr marL="0" indent="0">
               <a:buNone/>
@@ -1277,10 +1277,10 @@
           <a:p>
             <a:pPr lvl="0"/>
             <a:r>
-              <a:rPr lang="en-US" altLang="ko-KR"/>
+              <a:rPr lang="en-US" altLang="ko-KR" dirty="0"/>
               <a:t>#</a:t>
             </a:r>
-            <a:endParaRPr lang="ko-KR" altLang="en-US"/>
+            <a:endParaRPr lang="ko-KR" altLang="en-US" dirty="0"/>
           </a:p>
         </p:txBody>
       </p:sp>
@@ -1310,7 +1310,7 @@
           </a:prstGeom>
         </p:spPr>
         <p:txBody>
-          <a:bodyPr/>
+          <a:bodyPr anchor="ctr"/>
           <a:lstStyle>
             <a:lvl1pPr marL="0" indent="0">
               <a:buNone/>
@@ -1330,10 +1330,10 @@
           <a:p>
             <a:pPr lvl="0"/>
             <a:r>
-              <a:rPr lang="en-US" altLang="ko-KR"/>
+              <a:rPr lang="en-US" altLang="ko-KR" dirty="0"/>
               <a:t>#</a:t>
             </a:r>
-            <a:endParaRPr lang="ko-KR" altLang="en-US"/>
+            <a:endParaRPr lang="ko-KR" altLang="en-US" dirty="0"/>
           </a:p>
         </p:txBody>
       </p:sp>
@@ -1363,7 +1363,7 @@
           </a:prstGeom>
         </p:spPr>
         <p:txBody>
-          <a:bodyPr/>
+          <a:bodyPr anchor="ctr"/>
           <a:lstStyle>
             <a:lvl1pPr marL="0" indent="0">
               <a:buNone/>
@@ -1382,10 +1382,10 @@
           <a:p>
             <a:pPr lvl="0"/>
             <a:r>
-              <a:rPr lang="en-US" altLang="ko-KR"/>
+              <a:rPr lang="en-US" altLang="ko-KR" dirty="0"/>
               <a:t>#</a:t>
             </a:r>
-            <a:endParaRPr lang="ko-KR" altLang="en-US"/>
+            <a:endParaRPr lang="ko-KR" altLang="en-US" dirty="0"/>
           </a:p>
         </p:txBody>
       </p:sp>
@@ -1415,7 +1415,7 @@
           </a:prstGeom>
         </p:spPr>
         <p:txBody>
-          <a:bodyPr/>
+          <a:bodyPr anchor="ctr"/>
           <a:lstStyle>
             <a:lvl1pPr marL="0" indent="0">
               <a:buNone/>
@@ -1435,10 +1435,10 @@
           <a:p>
             <a:pPr lvl="0"/>
             <a:r>
-              <a:rPr lang="en-US" altLang="ko-KR"/>
+              <a:rPr lang="en-US" altLang="ko-KR" dirty="0"/>
               <a:t>#</a:t>
             </a:r>
-            <a:endParaRPr lang="ko-KR" altLang="en-US"/>
+            <a:endParaRPr lang="ko-KR" altLang="en-US" dirty="0"/>
           </a:p>
         </p:txBody>
       </p:sp>
@@ -1468,7 +1468,7 @@
           </a:prstGeom>
         </p:spPr>
         <p:txBody>
-          <a:bodyPr>
+          <a:bodyPr anchor="ctr">
             <a:normAutofit/>
           </a:bodyPr>
           <a:lstStyle>
@@ -1489,10 +1489,10 @@
           <a:p>
             <a:pPr lvl="0"/>
             <a:r>
-              <a:rPr lang="en-US" altLang="ko-KR"/>
+              <a:rPr lang="en-US" altLang="ko-KR" dirty="0"/>
               <a:t>Lyrics - English</a:t>
             </a:r>
-            <a:endParaRPr lang="ko-KR" altLang="en-US"/>
+            <a:endParaRPr lang="ko-KR" altLang="en-US" dirty="0"/>
           </a:p>
         </p:txBody>
       </p:sp>
@@ -1522,7 +1522,7 @@
           </a:prstGeom>
         </p:spPr>
         <p:txBody>
-          <a:bodyPr>
+          <a:bodyPr anchor="ctr">
             <a:normAutofit/>
           </a:bodyPr>
           <a:lstStyle>
@@ -1544,10 +1544,10 @@
           <a:p>
             <a:pPr lvl="0"/>
             <a:r>
-              <a:rPr lang="en-US" altLang="ko-KR"/>
+              <a:rPr lang="en-US" altLang="ko-KR" dirty="0"/>
               <a:t>Lyrics - Spanish</a:t>
             </a:r>
-            <a:endParaRPr lang="ko-KR" altLang="en-US"/>
+            <a:endParaRPr lang="ko-KR" altLang="en-US" dirty="0"/>
           </a:p>
         </p:txBody>
       </p:sp>
@@ -1577,7 +1577,7 @@
           </a:prstGeom>
         </p:spPr>
         <p:txBody>
-          <a:bodyPr>
+          <a:bodyPr anchor="ctr">
             <a:normAutofit/>
           </a:bodyPr>
           <a:lstStyle>
@@ -1598,10 +1598,10 @@
           <a:p>
             <a:pPr lvl="0"/>
             <a:r>
-              <a:rPr lang="en-US" altLang="ko-KR"/>
+              <a:rPr lang="en-US" altLang="ko-KR" dirty="0"/>
               <a:t>Lyrics - Korean</a:t>
             </a:r>
-            <a:endParaRPr lang="ko-KR" altLang="en-US"/>
+            <a:endParaRPr lang="ko-KR" altLang="en-US" dirty="0"/>
           </a:p>
         </p:txBody>
       </p:sp>
@@ -1631,7 +1631,7 @@
           </a:prstGeom>
         </p:spPr>
         <p:txBody>
-          <a:bodyPr>
+          <a:bodyPr anchor="ctr">
             <a:normAutofit/>
           </a:bodyPr>
           <a:lstStyle>
@@ -3603,7 +3603,7 @@
           <a:effectLst/>
         </p:spPr>
         <p:txBody>
-          <a:bodyPr/>
+          <a:bodyPr anchor="ctr"/>
           <a:lstStyle>
             <a:lvl1pPr marL="0" indent="0" algn="r">
               <a:buNone/>
@@ -3623,10 +3623,10 @@
           <a:p>
             <a:pPr lvl="0"/>
             <a:r>
-              <a:rPr lang="en-US" altLang="ko-KR"/>
+              <a:rPr lang="en-US" altLang="ko-KR" dirty="0"/>
               <a:t>#</a:t>
             </a:r>
-            <a:endParaRPr lang="ko-KR" altLang="en-US"/>
+            <a:endParaRPr lang="ko-KR" altLang="en-US" dirty="0"/>
           </a:p>
         </p:txBody>
       </p:sp>
@@ -3657,7 +3657,7 @@
           <a:effectLst/>
         </p:spPr>
         <p:txBody>
-          <a:bodyPr>
+          <a:bodyPr anchor="ctr">
             <a:normAutofit/>
           </a:bodyPr>
           <a:lstStyle>
@@ -3679,10 +3679,10 @@
           <a:p>
             <a:pPr lvl="0"/>
             <a:r>
-              <a:rPr lang="en-US" altLang="ko-KR"/>
+              <a:rPr lang="en-US" altLang="ko-KR" dirty="0"/>
               <a:t>Lyrics - English</a:t>
             </a:r>
-            <a:endParaRPr lang="ko-KR" altLang="en-US"/>
+            <a:endParaRPr lang="ko-KR" altLang="en-US" dirty="0"/>
           </a:p>
         </p:txBody>
       </p:sp>
@@ -3713,7 +3713,7 @@
           <a:effectLst/>
         </p:spPr>
         <p:txBody>
-          <a:bodyPr>
+          <a:bodyPr anchor="ctr">
             <a:normAutofit/>
           </a:bodyPr>
           <a:lstStyle>
@@ -3738,10 +3738,10 @@
           <a:p>
             <a:pPr lvl="0"/>
             <a:r>
-              <a:rPr lang="en-US" altLang="ko-KR"/>
+              <a:rPr lang="en-US" altLang="ko-KR" dirty="0"/>
               <a:t>Lyrics - Spanish</a:t>
             </a:r>
-            <a:endParaRPr lang="ko-KR" altLang="en-US"/>
+            <a:endParaRPr lang="ko-KR" altLang="en-US" dirty="0"/>
           </a:p>
         </p:txBody>
       </p:sp>
@@ -3772,7 +3772,7 @@
           <a:effectLst/>
         </p:spPr>
         <p:txBody>
-          <a:bodyPr>
+          <a:bodyPr anchor="ctr">
             <a:normAutofit/>
           </a:bodyPr>
           <a:lstStyle>
@@ -3794,10 +3794,10 @@
           <a:p>
             <a:pPr lvl="0"/>
             <a:r>
-              <a:rPr lang="en-US" altLang="ko-KR"/>
+              <a:rPr lang="en-US" altLang="ko-KR" dirty="0"/>
               <a:t>Lyrics - Korean</a:t>
             </a:r>
-            <a:endParaRPr lang="ko-KR" altLang="en-US"/>
+            <a:endParaRPr lang="ko-KR" altLang="en-US" dirty="0"/>
           </a:p>
         </p:txBody>
       </p:sp>
@@ -3828,7 +3828,7 @@
           <a:effectLst/>
         </p:spPr>
         <p:txBody>
-          <a:bodyPr>
+          <a:bodyPr anchor="ctr">
             <a:normAutofit/>
           </a:bodyPr>
           <a:lstStyle>
@@ -3853,10 +3853,10 @@
           <a:p>
             <a:pPr lvl="0"/>
             <a:r>
-              <a:rPr lang="en-US" altLang="ko-KR"/>
+              <a:rPr lang="en-US" altLang="ko-KR" dirty="0"/>
               <a:t>Lyrics - Chinese</a:t>
             </a:r>
-            <a:endParaRPr lang="ko-KR" altLang="en-US"/>
+            <a:endParaRPr lang="ko-KR" altLang="en-US" dirty="0"/>
           </a:p>
         </p:txBody>
       </p:sp>
@@ -3887,7 +3887,7 @@
           <a:effectLst/>
         </p:spPr>
         <p:txBody>
-          <a:bodyPr/>
+          <a:bodyPr anchor="ctr"/>
           <a:lstStyle>
             <a:lvl1pPr marL="0" indent="0" algn="r">
               <a:buNone/>
@@ -3907,10 +3907,10 @@
           <a:p>
             <a:pPr lvl="0"/>
             <a:r>
-              <a:rPr lang="en-US" altLang="ko-KR"/>
+              <a:rPr lang="en-US" altLang="ko-KR" dirty="0"/>
               <a:t>#</a:t>
             </a:r>
-            <a:endParaRPr lang="ko-KR" altLang="en-US"/>
+            <a:endParaRPr lang="ko-KR" altLang="en-US" dirty="0"/>
           </a:p>
         </p:txBody>
       </p:sp>
@@ -3941,7 +3941,7 @@
           <a:effectLst/>
         </p:spPr>
         <p:txBody>
-          <a:bodyPr>
+          <a:bodyPr anchor="ctr">
             <a:normAutofit/>
           </a:bodyPr>
           <a:lstStyle>
@@ -3963,10 +3963,10 @@
           <a:p>
             <a:pPr lvl="0"/>
             <a:r>
-              <a:rPr lang="en-US" altLang="ko-KR"/>
+              <a:rPr lang="en-US" altLang="ko-KR" dirty="0"/>
               <a:t>Lyrics - English</a:t>
             </a:r>
-            <a:endParaRPr lang="ko-KR" altLang="en-US"/>
+            <a:endParaRPr lang="ko-KR" altLang="en-US" dirty="0"/>
           </a:p>
         </p:txBody>
       </p:sp>
@@ -3997,7 +3997,7 @@
           <a:effectLst/>
         </p:spPr>
         <p:txBody>
-          <a:bodyPr>
+          <a:bodyPr anchor="ctr">
             <a:normAutofit/>
           </a:bodyPr>
           <a:lstStyle>
@@ -4022,10 +4022,10 @@
           <a:p>
             <a:pPr lvl="0"/>
             <a:r>
-              <a:rPr lang="en-US" altLang="ko-KR"/>
+              <a:rPr lang="en-US" altLang="ko-KR" dirty="0"/>
               <a:t>Lyrics - Spanish</a:t>
             </a:r>
-            <a:endParaRPr lang="ko-KR" altLang="en-US"/>
+            <a:endParaRPr lang="ko-KR" altLang="en-US" dirty="0"/>
           </a:p>
         </p:txBody>
       </p:sp>
@@ -4056,7 +4056,7 @@
           <a:effectLst/>
         </p:spPr>
         <p:txBody>
-          <a:bodyPr>
+          <a:bodyPr anchor="ctr">
             <a:normAutofit/>
           </a:bodyPr>
           <a:lstStyle>
@@ -4078,10 +4078,10 @@
           <a:p>
             <a:pPr lvl="0"/>
             <a:r>
-              <a:rPr lang="en-US" altLang="ko-KR"/>
+              <a:rPr lang="en-US" altLang="ko-KR" dirty="0"/>
               <a:t>Lyrics - Korean</a:t>
             </a:r>
-            <a:endParaRPr lang="ko-KR" altLang="en-US"/>
+            <a:endParaRPr lang="ko-KR" altLang="en-US" dirty="0"/>
           </a:p>
         </p:txBody>
       </p:sp>
@@ -4112,7 +4112,7 @@
           <a:effectLst/>
         </p:spPr>
         <p:txBody>
-          <a:bodyPr>
+          <a:bodyPr anchor="ctr">
             <a:normAutofit/>
           </a:bodyPr>
           <a:lstStyle>
@@ -4137,10 +4137,10 @@
           <a:p>
             <a:pPr lvl="0"/>
             <a:r>
-              <a:rPr lang="en-US" altLang="ko-KR"/>
+              <a:rPr lang="en-US" altLang="ko-KR" dirty="0"/>
               <a:t>Lyrics - Chinese</a:t>
             </a:r>
-            <a:endParaRPr lang="ko-KR" altLang="en-US"/>
+            <a:endParaRPr lang="ko-KR" altLang="en-US" dirty="0"/>
           </a:p>
         </p:txBody>
       </p:sp>
@@ -4496,6 +4496,22 @@
       </a:lvl9pPr>
     </p:otherStyle>
   </p:txStyles>
+  <p:extLst>
+    <p:ext uri="{27BBF7A9-308A-43DC-89C8-2F10F3537804}">
+      <p15:sldGuideLst xmlns:p15="http://schemas.microsoft.com/office/powerpoint/2012/main">
+        <p15:guide id="1" orient="horz" pos="2160" userDrawn="1">
+          <p15:clr>
+            <a:srgbClr val="F26B43"/>
+          </p15:clr>
+        </p15:guide>
+        <p15:guide id="2" pos="3840" userDrawn="1">
+          <p15:clr>
+            <a:srgbClr val="F26B43"/>
+          </p15:clr>
+        </p15:guide>
+      </p15:sldGuideLst>
+    </p:ext>
+  </p:extLst>
 </p:sldMaster>
 </file>
 
@@ -4534,7 +4550,7 @@
         </p:nvSpPr>
         <p:spPr/>
         <p:txBody>
-          <a:bodyPr/>
+          <a:bodyPr anchor="ctr"/>
           <a:lstStyle/>
           <a:p>
             <a:endParaRPr kumimoji="1" lang="ko-Kore-US" altLang="en-US"/>
@@ -4559,7 +4575,7 @@
         </p:nvSpPr>
         <p:spPr/>
         <p:txBody>
-          <a:bodyPr/>
+          <a:bodyPr anchor="ctr"/>
           <a:lstStyle/>
           <a:p>
             <a:endParaRPr kumimoji="1" lang="ko-Kore-US" altLang="en-US"/>
@@ -4584,7 +4600,7 @@
         </p:nvSpPr>
         <p:spPr/>
         <p:txBody>
-          <a:bodyPr/>
+          <a:bodyPr anchor="ctr"/>
           <a:lstStyle/>
           <a:p>
             <a:endParaRPr kumimoji="1" lang="ko-Kore-US" altLang="en-US"/>
@@ -4609,7 +4625,7 @@
         </p:nvSpPr>
         <p:spPr/>
         <p:txBody>
-          <a:bodyPr/>
+          <a:bodyPr anchor="ctr"/>
           <a:lstStyle/>
           <a:p>
             <a:endParaRPr kumimoji="1" lang="ko-Kore-US" altLang="en-US"/>
@@ -4634,7 +4650,7 @@
         </p:nvSpPr>
         <p:spPr/>
         <p:txBody>
-          <a:bodyPr>
+          <a:bodyPr anchor="ctr">
             <a:normAutofit lnSpcReduction="10000"/>
           </a:bodyPr>
           <a:lstStyle/>
@@ -4661,7 +4677,7 @@
         </p:nvSpPr>
         <p:spPr/>
         <p:txBody>
-          <a:bodyPr>
+          <a:bodyPr anchor="ctr">
             <a:normAutofit lnSpcReduction="10000"/>
           </a:bodyPr>
           <a:lstStyle/>
@@ -4688,7 +4704,7 @@
         </p:nvSpPr>
         <p:spPr/>
         <p:txBody>
-          <a:bodyPr>
+          <a:bodyPr anchor="ctr">
             <a:normAutofit lnSpcReduction="10000"/>
           </a:bodyPr>
           <a:lstStyle/>
@@ -4715,7 +4731,7 @@
         </p:nvSpPr>
         <p:spPr/>
         <p:txBody>
-          <a:bodyPr>
+          <a:bodyPr anchor="ctr">
             <a:normAutofit lnSpcReduction="10000"/>
           </a:bodyPr>
           <a:lstStyle/>

--- a/app/static/template/west_coast_template.pptx
+++ b/app/static/template/west_coast_template.pptx
@@ -709,7 +709,7 @@
           <a:p>
             <a:fld id="{8D64E6AF-08E6-184A-9DD2-3C1D5F53FCC4}" type="datetimeFigureOut">
               <a:rPr kumimoji="1" lang="ko-US" altLang="en-US" smtClean="0"/>
-              <a:t>7/27/23</a:t>
+              <a:t>7/28/23</a:t>
             </a:fld>
             <a:endParaRPr kumimoji="1" lang="ko-US" altLang="en-US"/>
           </a:p>
